--- a/InterviewStudyMaterial/Java Script & Jquery Questions.pptx
+++ b/InterviewStudyMaterial/Java Script & Jquery Questions.pptx
@@ -493,7 +493,8 @@
           <a:p>
             <a:fld id="{22EF29A4-C4E8-48C0-9A02-6D30809255B1}" type="datetimeFigureOut">
               <a:rPr lang="en-US" smtClean="0"/>
-              <a:t>1/28/2021</a:t>
+              <a:pPr/>
+              <a:t>2/2/2021</a:t>
             </a:fld>
             <a:endParaRPr lang="en-US" dirty="0"/>
           </a:p>
@@ -535,6 +536,7 @@
           <a:p>
             <a:fld id="{0FC73BB6-6351-4D92-8695-ED626861AA20}" type="slidenum">
               <a:rPr lang="en-US" smtClean="0"/>
+              <a:pPr/>
               <a:t>‹#›</a:t>
             </a:fld>
             <a:endParaRPr lang="en-US" dirty="0"/>
@@ -658,7 +660,8 @@
           <a:p>
             <a:fld id="{22EF29A4-C4E8-48C0-9A02-6D30809255B1}" type="datetimeFigureOut">
               <a:rPr lang="en-US" smtClean="0"/>
-              <a:t>1/28/2021</a:t>
+              <a:pPr/>
+              <a:t>2/2/2021</a:t>
             </a:fld>
             <a:endParaRPr lang="en-US" dirty="0"/>
           </a:p>
@@ -700,6 +703,7 @@
           <a:p>
             <a:fld id="{0FC73BB6-6351-4D92-8695-ED626861AA20}" type="slidenum">
               <a:rPr lang="en-US" smtClean="0"/>
+              <a:pPr/>
               <a:t>‹#›</a:t>
             </a:fld>
             <a:endParaRPr lang="en-US" dirty="0"/>
@@ -833,7 +837,8 @@
           <a:p>
             <a:fld id="{22EF29A4-C4E8-48C0-9A02-6D30809255B1}" type="datetimeFigureOut">
               <a:rPr lang="en-US" smtClean="0"/>
-              <a:t>1/28/2021</a:t>
+              <a:pPr/>
+              <a:t>2/2/2021</a:t>
             </a:fld>
             <a:endParaRPr lang="en-US" dirty="0"/>
           </a:p>
@@ -875,6 +880,7 @@
           <a:p>
             <a:fld id="{0FC73BB6-6351-4D92-8695-ED626861AA20}" type="slidenum">
               <a:rPr lang="en-US" smtClean="0"/>
+              <a:pPr/>
               <a:t>‹#›</a:t>
             </a:fld>
             <a:endParaRPr lang="en-US" dirty="0"/>
@@ -1002,7 +1008,8 @@
           <a:p>
             <a:fld id="{22EF29A4-C4E8-48C0-9A02-6D30809255B1}" type="datetimeFigureOut">
               <a:rPr lang="en-US" smtClean="0"/>
-              <a:t>1/28/2021</a:t>
+              <a:pPr/>
+              <a:t>2/2/2021</a:t>
             </a:fld>
             <a:endParaRPr lang="en-US" dirty="0"/>
           </a:p>
@@ -1044,6 +1051,7 @@
           <a:p>
             <a:fld id="{0FC73BB6-6351-4D92-8695-ED626861AA20}" type="slidenum">
               <a:rPr lang="en-US" smtClean="0"/>
+              <a:pPr/>
               <a:t>‹#›</a:t>
             </a:fld>
             <a:endParaRPr lang="en-US" dirty="0"/>
@@ -1457,7 +1465,8 @@
           <a:p>
             <a:fld id="{22EF29A4-C4E8-48C0-9A02-6D30809255B1}" type="datetimeFigureOut">
               <a:rPr lang="en-US" smtClean="0"/>
-              <a:t>1/28/2021</a:t>
+              <a:pPr/>
+              <a:t>2/2/2021</a:t>
             </a:fld>
             <a:endParaRPr lang="en-US" dirty="0"/>
           </a:p>
@@ -1499,6 +1508,7 @@
           <a:p>
             <a:fld id="{0FC73BB6-6351-4D92-8695-ED626861AA20}" type="slidenum">
               <a:rPr lang="en-US" smtClean="0"/>
+              <a:pPr/>
               <a:t>‹#›</a:t>
             </a:fld>
             <a:endParaRPr lang="en-US" dirty="0"/>
@@ -1721,7 +1731,8 @@
           <a:p>
             <a:fld id="{22EF29A4-C4E8-48C0-9A02-6D30809255B1}" type="datetimeFigureOut">
               <a:rPr lang="en-US" smtClean="0"/>
-              <a:t>1/28/2021</a:t>
+              <a:pPr/>
+              <a:t>2/2/2021</a:t>
             </a:fld>
             <a:endParaRPr lang="en-US" dirty="0"/>
           </a:p>
@@ -1763,6 +1774,7 @@
           <a:p>
             <a:fld id="{0FC73BB6-6351-4D92-8695-ED626861AA20}" type="slidenum">
               <a:rPr lang="en-US" smtClean="0"/>
+              <a:pPr/>
               <a:t>‹#›</a:t>
             </a:fld>
             <a:endParaRPr lang="en-US" dirty="0"/>
@@ -2095,7 +2107,8 @@
           <a:p>
             <a:fld id="{22EF29A4-C4E8-48C0-9A02-6D30809255B1}" type="datetimeFigureOut">
               <a:rPr lang="en-US" smtClean="0"/>
-              <a:t>1/28/2021</a:t>
+              <a:pPr/>
+              <a:t>2/2/2021</a:t>
             </a:fld>
             <a:endParaRPr lang="en-US" dirty="0"/>
           </a:p>
@@ -2137,6 +2150,7 @@
           <a:p>
             <a:fld id="{0FC73BB6-6351-4D92-8695-ED626861AA20}" type="slidenum">
               <a:rPr lang="en-US" smtClean="0"/>
+              <a:pPr/>
               <a:t>‹#›</a:t>
             </a:fld>
             <a:endParaRPr lang="en-US" dirty="0"/>
@@ -2217,7 +2231,8 @@
           <a:p>
             <a:fld id="{22EF29A4-C4E8-48C0-9A02-6D30809255B1}" type="datetimeFigureOut">
               <a:rPr lang="en-US" smtClean="0"/>
-              <a:t>1/28/2021</a:t>
+              <a:pPr/>
+              <a:t>2/2/2021</a:t>
             </a:fld>
             <a:endParaRPr lang="en-US" dirty="0"/>
           </a:p>
@@ -2240,6 +2255,7 @@
           <a:p>
             <a:fld id="{0FC73BB6-6351-4D92-8695-ED626861AA20}" type="slidenum">
               <a:rPr lang="en-US" smtClean="0"/>
+              <a:pPr/>
               <a:t>‹#›</a:t>
             </a:fld>
             <a:endParaRPr lang="en-US" dirty="0"/>
@@ -2307,7 +2323,8 @@
           <a:p>
             <a:fld id="{22EF29A4-C4E8-48C0-9A02-6D30809255B1}" type="datetimeFigureOut">
               <a:rPr lang="en-US" smtClean="0"/>
-              <a:t>1/28/2021</a:t>
+              <a:pPr/>
+              <a:t>2/2/2021</a:t>
             </a:fld>
             <a:endParaRPr lang="en-US" dirty="0"/>
           </a:p>
@@ -2349,6 +2366,7 @@
           <a:p>
             <a:fld id="{0FC73BB6-6351-4D92-8695-ED626861AA20}" type="slidenum">
               <a:rPr lang="en-US" smtClean="0"/>
+              <a:pPr/>
               <a:t>‹#›</a:t>
             </a:fld>
             <a:endParaRPr lang="en-US" dirty="0"/>
@@ -2556,7 +2574,8 @@
           <a:p>
             <a:fld id="{22EF29A4-C4E8-48C0-9A02-6D30809255B1}" type="datetimeFigureOut">
               <a:rPr lang="en-US" smtClean="0"/>
-              <a:t>1/28/2021</a:t>
+              <a:pPr/>
+              <a:t>2/2/2021</a:t>
             </a:fld>
             <a:endParaRPr lang="en-US" dirty="0"/>
           </a:p>
@@ -2603,6 +2622,7 @@
           <a:p>
             <a:fld id="{0FC73BB6-6351-4D92-8695-ED626861AA20}" type="slidenum">
               <a:rPr lang="en-US" smtClean="0"/>
+              <a:pPr/>
               <a:t>‹#›</a:t>
             </a:fld>
             <a:endParaRPr lang="en-US" dirty="0"/>
@@ -2815,7 +2835,8 @@
           <a:p>
             <a:fld id="{22EF29A4-C4E8-48C0-9A02-6D30809255B1}" type="datetimeFigureOut">
               <a:rPr lang="en-US" smtClean="0"/>
-              <a:t>1/28/2021</a:t>
+              <a:pPr/>
+              <a:t>2/2/2021</a:t>
             </a:fld>
             <a:endParaRPr lang="en-US" dirty="0"/>
           </a:p>
@@ -2857,6 +2878,7 @@
           <a:p>
             <a:fld id="{0FC73BB6-6351-4D92-8695-ED626861AA20}" type="slidenum">
               <a:rPr lang="en-US" smtClean="0"/>
+              <a:pPr/>
               <a:t>‹#›</a:t>
             </a:fld>
             <a:endParaRPr lang="en-US" dirty="0"/>
@@ -3219,7 +3241,8 @@
           <a:p>
             <a:fld id="{22EF29A4-C4E8-48C0-9A02-6D30809255B1}" type="datetimeFigureOut">
               <a:rPr lang="en-US" smtClean="0"/>
-              <a:t>1/28/2021</a:t>
+              <a:pPr/>
+              <a:t>2/2/2021</a:t>
             </a:fld>
             <a:endParaRPr lang="en-US" dirty="0"/>
           </a:p>
@@ -3297,6 +3320,7 @@
           <a:p>
             <a:fld id="{0FC73BB6-6351-4D92-8695-ED626861AA20}" type="slidenum">
               <a:rPr lang="en-US" smtClean="0"/>
+              <a:pPr/>
               <a:t>‹#›</a:t>
             </a:fld>
             <a:endParaRPr lang="en-US" dirty="0"/>
@@ -3640,8 +3664,12 @@
           <a:lstStyle/>
           <a:p>
             <a:r>
+              <a:rPr lang="en-US" smtClean="0"/>
+              <a:t>Java script </a:t>
+            </a:r>
+            <a:r>
               <a:rPr lang="en-US" dirty="0" smtClean="0"/>
-              <a:t>Js &amp; </a:t>
+              <a:t>&amp; </a:t>
             </a:r>
             <a:r>
               <a:rPr noProof="1" smtClean="0"/>
@@ -3744,45 +3772,25 @@
           <a:p>
             <a:r>
               <a:rPr lang="en-US" b="1" dirty="0" smtClean="0"/>
-              <a:t>What </a:t>
-            </a:r>
+              <a:t>What are the types of selectors in jQuery?</a:t>
+            </a:r>
+          </a:p>
+          <a:p>
             <a:r>
               <a:rPr lang="en-US" b="1" dirty="0" smtClean="0"/>
-              <a:t>are the types of selectors in jQuery</a:t>
-            </a:r>
+              <a:t> Explain the difference between "==" and "==="?</a:t>
+            </a:r>
+          </a:p>
+          <a:p>
             <a:r>
               <a:rPr lang="en-US" b="1" dirty="0" smtClean="0"/>
-              <a:t>?</a:t>
+              <a:t> What is the use of jQuery each function?</a:t>
             </a:r>
           </a:p>
           <a:p>
             <a:r>
               <a:rPr lang="en-US" b="1" dirty="0" smtClean="0"/>
-              <a:t> Explain the difference between "==" and </a:t>
-            </a:r>
-            <a:r>
-              <a:rPr lang="en-US" b="1" dirty="0" smtClean="0"/>
-              <a:t>"==="?</a:t>
-            </a:r>
-          </a:p>
-          <a:p>
-            <a:r>
-              <a:rPr lang="en-US" b="1" dirty="0" smtClean="0"/>
-              <a:t> What is the use of jQuery each function</a:t>
-            </a:r>
-            <a:r>
-              <a:rPr lang="en-US" b="1" dirty="0" smtClean="0"/>
-              <a:t>?</a:t>
-            </a:r>
-          </a:p>
-          <a:p>
-            <a:r>
-              <a:rPr lang="en-US" b="1" dirty="0" smtClean="0"/>
-              <a:t> What is called chaining</a:t>
-            </a:r>
-            <a:r>
-              <a:rPr lang="en-US" b="1" dirty="0" smtClean="0"/>
-              <a:t>?</a:t>
+              <a:t> What is called chaining?</a:t>
             </a:r>
           </a:p>
           <a:p>
@@ -3794,21 +3802,13 @@
           <a:p>
             <a:r>
               <a:rPr lang="en-US" b="1" dirty="0" smtClean="0"/>
-              <a:t>What are JavaScript Data Types</a:t>
-            </a:r>
+              <a:t>What are JavaScript Data Types?</a:t>
+            </a:r>
+          </a:p>
+          <a:p>
             <a:r>
               <a:rPr lang="en-US" b="1" dirty="0" smtClean="0"/>
-              <a:t>?</a:t>
-            </a:r>
-          </a:p>
-          <a:p>
-            <a:r>
-              <a:rPr lang="en-US" b="1" dirty="0" smtClean="0"/>
-              <a:t> How can we debug jQuery</a:t>
-            </a:r>
-            <a:r>
-              <a:rPr lang="en-US" b="1" dirty="0" smtClean="0"/>
-              <a:t>?</a:t>
+              <a:t> How can we debug jQuery?</a:t>
             </a:r>
           </a:p>
           <a:p>
